--- a/docs/FMT Reversi.pptx
+++ b/docs/FMT Reversi.pptx
@@ -257,7 +257,7 @@
           <a:p>
             <a:fld id="{0AD65C4D-AF33-49BA-B7BA-75D5CF245870}" type="datetimeFigureOut">
               <a:rPr lang="it-IT" smtClean="0"/>
-              <a:t>03/01/2020</a:t>
+              <a:t>11/01/20</a:t>
             </a:fld>
             <a:endParaRPr lang="it-IT"/>
           </a:p>
@@ -415,7 +415,7 @@
           <a:p>
             <a:fld id="{C1F6E5B3-CEFE-4AEF-B353-B5103F659A4C}" type="slidenum">
               <a:rPr lang="it-IT" smtClean="0"/>
-              <a:t>‹N›</a:t>
+              <a:t>‹#›</a:t>
             </a:fld>
             <a:endParaRPr lang="it-IT"/>
           </a:p>
@@ -1840,7 +1840,7 @@
           <a:p>
             <a:fld id="{98516368-61CF-4507-8060-34DFE3D181EF}" type="datetime1">
               <a:rPr lang="en-US" smtClean="0"/>
-              <a:t>1/3/2020</a:t>
+              <a:t>1/11/20</a:t>
             </a:fld>
             <a:endParaRPr lang="en-US"/>
           </a:p>
@@ -1882,7 +1882,7 @@
           <a:p>
             <a:fld id="{49A97F10-F60F-4929-8489-9A0D1A650A91}" type="slidenum">
               <a:rPr lang="en-US" smtClean="0"/>
-              <a:t>‹N›</a:t>
+              <a:t>‹#›</a:t>
             </a:fld>
             <a:endParaRPr lang="en-US"/>
           </a:p>
@@ -2010,7 +2010,7 @@
           <a:p>
             <a:fld id="{C616261B-981A-4A1E-8576-0975D8796F0B}" type="datetime1">
               <a:rPr lang="en-US" smtClean="0"/>
-              <a:t>1/3/2020</a:t>
+              <a:t>1/11/20</a:t>
             </a:fld>
             <a:endParaRPr lang="en-US"/>
           </a:p>
@@ -2052,7 +2052,7 @@
           <a:p>
             <a:fld id="{49A97F10-F60F-4929-8489-9A0D1A650A91}" type="slidenum">
               <a:rPr lang="en-US" smtClean="0"/>
-              <a:t>‹N›</a:t>
+              <a:t>‹#›</a:t>
             </a:fld>
             <a:endParaRPr lang="en-US"/>
           </a:p>
@@ -2190,7 +2190,7 @@
           <a:p>
             <a:fld id="{07A6FB98-CB5D-4012-8B60-740C5DB777DA}" type="datetime1">
               <a:rPr lang="en-US" smtClean="0"/>
-              <a:t>1/3/2020</a:t>
+              <a:t>1/11/20</a:t>
             </a:fld>
             <a:endParaRPr lang="en-US"/>
           </a:p>
@@ -2232,7 +2232,7 @@
           <a:p>
             <a:fld id="{49A97F10-F60F-4929-8489-9A0D1A650A91}" type="slidenum">
               <a:rPr lang="en-US" smtClean="0"/>
-              <a:t>‹N›</a:t>
+              <a:t>‹#›</a:t>
             </a:fld>
             <a:endParaRPr lang="en-US"/>
           </a:p>
@@ -2732,7 +2732,7 @@
           <a:p>
             <a:fld id="{98516368-61CF-4507-8060-34DFE3D181EF}" type="datetime1">
               <a:rPr lang="en-US" smtClean="0"/>
-              <a:t>1/3/2020</a:t>
+              <a:t>1/11/20</a:t>
             </a:fld>
             <a:endParaRPr lang="en-US"/>
           </a:p>
@@ -2774,7 +2774,7 @@
           <a:p>
             <a:fld id="{49A97F10-F60F-4929-8489-9A0D1A650A91}" type="slidenum">
               <a:rPr lang="en-US" smtClean="0"/>
-              <a:t>‹N›</a:t>
+              <a:t>‹#›</a:t>
             </a:fld>
             <a:endParaRPr lang="en-US"/>
           </a:p>
@@ -2902,7 +2902,7 @@
           <a:p>
             <a:fld id="{B1CC6791-5DCE-48AF-AF82-B17B0DAF7211}" type="datetime1">
               <a:rPr lang="en-US" smtClean="0"/>
-              <a:t>1/3/2020</a:t>
+              <a:t>1/11/20</a:t>
             </a:fld>
             <a:endParaRPr lang="en-US"/>
           </a:p>
@@ -2944,7 +2944,7 @@
           <a:p>
             <a:fld id="{49A97F10-F60F-4929-8489-9A0D1A650A91}" type="slidenum">
               <a:rPr lang="en-US" smtClean="0"/>
-              <a:t>‹N›</a:t>
+              <a:t>‹#›</a:t>
             </a:fld>
             <a:endParaRPr lang="en-US"/>
           </a:p>
@@ -3148,7 +3148,7 @@
           <a:p>
             <a:fld id="{59FFDC0B-43C6-4252-BAFC-26E3B2105B0F}" type="datetime1">
               <a:rPr lang="en-US" smtClean="0"/>
-              <a:t>1/3/2020</a:t>
+              <a:t>1/11/20</a:t>
             </a:fld>
             <a:endParaRPr lang="en-US"/>
           </a:p>
@@ -3190,7 +3190,7 @@
           <a:p>
             <a:fld id="{49A97F10-F60F-4929-8489-9A0D1A650A91}" type="slidenum">
               <a:rPr lang="en-US" smtClean="0"/>
-              <a:t>‹N›</a:t>
+              <a:t>‹#›</a:t>
             </a:fld>
             <a:endParaRPr lang="en-US"/>
           </a:p>
@@ -3380,7 +3380,7 @@
           <a:p>
             <a:fld id="{399ED28D-D712-4376-9755-A38A57A1300D}" type="datetime1">
               <a:rPr lang="en-US" smtClean="0"/>
-              <a:t>1/3/2020</a:t>
+              <a:t>1/11/20</a:t>
             </a:fld>
             <a:endParaRPr lang="en-US"/>
           </a:p>
@@ -3422,7 +3422,7 @@
           <a:p>
             <a:fld id="{49A97F10-F60F-4929-8489-9A0D1A650A91}" type="slidenum">
               <a:rPr lang="en-US" smtClean="0"/>
-              <a:t>‹N›</a:t>
+              <a:t>‹#›</a:t>
             </a:fld>
             <a:endParaRPr lang="en-US"/>
           </a:p>
@@ -3747,7 +3747,7 @@
           <a:p>
             <a:fld id="{3CF1AB9B-A1C6-469F-A136-2480EFC5F3BC}" type="datetime1">
               <a:rPr lang="en-US" smtClean="0"/>
-              <a:t>1/3/2020</a:t>
+              <a:t>1/11/20</a:t>
             </a:fld>
             <a:endParaRPr lang="en-US"/>
           </a:p>
@@ -3789,7 +3789,7 @@
           <a:p>
             <a:fld id="{49A97F10-F60F-4929-8489-9A0D1A650A91}" type="slidenum">
               <a:rPr lang="en-US" smtClean="0"/>
-              <a:t>‹N›</a:t>
+              <a:t>‹#›</a:t>
             </a:fld>
             <a:endParaRPr lang="en-US"/>
           </a:p>
@@ -3865,7 +3865,7 @@
           <a:p>
             <a:fld id="{31359FCB-D224-4CAB-8EC1-FCB25C44EC9B}" type="datetime1">
               <a:rPr lang="en-US" smtClean="0"/>
-              <a:t>1/3/2020</a:t>
+              <a:t>1/11/20</a:t>
             </a:fld>
             <a:endParaRPr lang="en-US"/>
           </a:p>
@@ -3907,7 +3907,7 @@
           <a:p>
             <a:fld id="{49A97F10-F60F-4929-8489-9A0D1A650A91}" type="slidenum">
               <a:rPr lang="en-US" smtClean="0"/>
-              <a:t>‹N›</a:t>
+              <a:t>‹#›</a:t>
             </a:fld>
             <a:endParaRPr lang="en-US"/>
           </a:p>
@@ -4035,7 +4035,7 @@
           <a:p>
             <a:fld id="{B1CC6791-5DCE-48AF-AF82-B17B0DAF7211}" type="datetime1">
               <a:rPr lang="en-US" smtClean="0"/>
-              <a:t>1/3/2020</a:t>
+              <a:t>1/11/20</a:t>
             </a:fld>
             <a:endParaRPr lang="en-US"/>
           </a:p>
@@ -4077,7 +4077,7 @@
           <a:p>
             <a:fld id="{49A97F10-F60F-4929-8489-9A0D1A650A91}" type="slidenum">
               <a:rPr lang="en-US" smtClean="0"/>
-              <a:t>‹N›</a:t>
+              <a:t>‹#›</a:t>
             </a:fld>
             <a:endParaRPr lang="en-US"/>
           </a:p>
@@ -4130,7 +4130,7 @@
           <a:p>
             <a:fld id="{DCE4B7D0-647F-4EDB-8C10-4341B6997904}" type="datetime1">
               <a:rPr lang="en-US" smtClean="0"/>
-              <a:t>1/3/2020</a:t>
+              <a:t>1/11/20</a:t>
             </a:fld>
             <a:endParaRPr lang="en-US"/>
           </a:p>
@@ -4172,7 +4172,7 @@
           <a:p>
             <a:fld id="{49A97F10-F60F-4929-8489-9A0D1A650A91}" type="slidenum">
               <a:rPr lang="en-US" smtClean="0"/>
-              <a:t>‹N›</a:t>
+              <a:t>‹#›</a:t>
             </a:fld>
             <a:endParaRPr lang="en-US"/>
           </a:p>
@@ -4407,7 +4407,7 @@
           <a:p>
             <a:fld id="{A570BE8C-D782-4075-A867-666D7CD7CF69}" type="datetime1">
               <a:rPr lang="en-US" smtClean="0"/>
-              <a:t>1/3/2020</a:t>
+              <a:t>1/11/20</a:t>
             </a:fld>
             <a:endParaRPr lang="en-US"/>
           </a:p>
@@ -4449,7 +4449,7 @@
           <a:p>
             <a:fld id="{49A97F10-F60F-4929-8489-9A0D1A650A91}" type="slidenum">
               <a:rPr lang="en-US" smtClean="0"/>
-              <a:t>‹N›</a:t>
+              <a:t>‹#›</a:t>
             </a:fld>
             <a:endParaRPr lang="en-US"/>
           </a:p>
@@ -4664,7 +4664,7 @@
           <a:p>
             <a:fld id="{298FC0BC-6616-406A-969A-19B75CE6997B}" type="datetime1">
               <a:rPr lang="en-US" smtClean="0"/>
-              <a:t>1/3/2020</a:t>
+              <a:t>1/11/20</a:t>
             </a:fld>
             <a:endParaRPr lang="en-US"/>
           </a:p>
@@ -4706,7 +4706,7 @@
           <a:p>
             <a:fld id="{49A97F10-F60F-4929-8489-9A0D1A650A91}" type="slidenum">
               <a:rPr lang="en-US" smtClean="0"/>
-              <a:t>‹N›</a:t>
+              <a:t>‹#›</a:t>
             </a:fld>
             <a:endParaRPr lang="en-US"/>
           </a:p>
@@ -4834,7 +4834,7 @@
           <a:p>
             <a:fld id="{C616261B-981A-4A1E-8576-0975D8796F0B}" type="datetime1">
               <a:rPr lang="en-US" smtClean="0"/>
-              <a:t>1/3/2020</a:t>
+              <a:t>1/11/20</a:t>
             </a:fld>
             <a:endParaRPr lang="en-US"/>
           </a:p>
@@ -4876,7 +4876,7 @@
           <a:p>
             <a:fld id="{49A97F10-F60F-4929-8489-9A0D1A650A91}" type="slidenum">
               <a:rPr lang="en-US" smtClean="0"/>
-              <a:t>‹N›</a:t>
+              <a:t>‹#›</a:t>
             </a:fld>
             <a:endParaRPr lang="en-US"/>
           </a:p>
@@ -5014,7 +5014,7 @@
           <a:p>
             <a:fld id="{07A6FB98-CB5D-4012-8B60-740C5DB777DA}" type="datetime1">
               <a:rPr lang="en-US" smtClean="0"/>
-              <a:t>1/3/2020</a:t>
+              <a:t>1/11/20</a:t>
             </a:fld>
             <a:endParaRPr lang="en-US"/>
           </a:p>
@@ -5056,7 +5056,7 @@
           <a:p>
             <a:fld id="{49A97F10-F60F-4929-8489-9A0D1A650A91}" type="slidenum">
               <a:rPr lang="en-US" smtClean="0"/>
-              <a:t>‹N›</a:t>
+              <a:t>‹#›</a:t>
             </a:fld>
             <a:endParaRPr lang="en-US"/>
           </a:p>
@@ -5258,7 +5258,7 @@
           <a:p>
             <a:fld id="{59FFDC0B-43C6-4252-BAFC-26E3B2105B0F}" type="datetime1">
               <a:rPr lang="en-US" smtClean="0"/>
-              <a:t>1/3/2020</a:t>
+              <a:t>1/11/20</a:t>
             </a:fld>
             <a:endParaRPr lang="en-US"/>
           </a:p>
@@ -5300,7 +5300,7 @@
           <a:p>
             <a:fld id="{49A97F10-F60F-4929-8489-9A0D1A650A91}" type="slidenum">
               <a:rPr lang="en-US" smtClean="0"/>
-              <a:t>‹N›</a:t>
+              <a:t>‹#›</a:t>
             </a:fld>
             <a:endParaRPr lang="en-US"/>
           </a:p>
@@ -5490,7 +5490,7 @@
           <a:p>
             <a:fld id="{399ED28D-D712-4376-9755-A38A57A1300D}" type="datetime1">
               <a:rPr lang="en-US" smtClean="0"/>
-              <a:t>1/3/2020</a:t>
+              <a:t>1/11/20</a:t>
             </a:fld>
             <a:endParaRPr lang="en-US"/>
           </a:p>
@@ -5532,7 +5532,7 @@
           <a:p>
             <a:fld id="{49A97F10-F60F-4929-8489-9A0D1A650A91}" type="slidenum">
               <a:rPr lang="en-US" smtClean="0"/>
-              <a:t>‹N›</a:t>
+              <a:t>‹#›</a:t>
             </a:fld>
             <a:endParaRPr lang="en-US"/>
           </a:p>
@@ -5857,7 +5857,7 @@
           <a:p>
             <a:fld id="{3CF1AB9B-A1C6-469F-A136-2480EFC5F3BC}" type="datetime1">
               <a:rPr lang="en-US" smtClean="0"/>
-              <a:t>1/3/2020</a:t>
+              <a:t>1/11/20</a:t>
             </a:fld>
             <a:endParaRPr lang="en-US"/>
           </a:p>
@@ -5899,7 +5899,7 @@
           <a:p>
             <a:fld id="{49A97F10-F60F-4929-8489-9A0D1A650A91}" type="slidenum">
               <a:rPr lang="en-US" smtClean="0"/>
-              <a:t>‹N›</a:t>
+              <a:t>‹#›</a:t>
             </a:fld>
             <a:endParaRPr lang="en-US"/>
           </a:p>
@@ -5975,7 +5975,7 @@
           <a:p>
             <a:fld id="{31359FCB-D224-4CAB-8EC1-FCB25C44EC9B}" type="datetime1">
               <a:rPr lang="en-US" smtClean="0"/>
-              <a:t>1/3/2020</a:t>
+              <a:t>1/11/20</a:t>
             </a:fld>
             <a:endParaRPr lang="en-US"/>
           </a:p>
@@ -6017,7 +6017,7 @@
           <a:p>
             <a:fld id="{49A97F10-F60F-4929-8489-9A0D1A650A91}" type="slidenum">
               <a:rPr lang="en-US" smtClean="0"/>
-              <a:t>‹N›</a:t>
+              <a:t>‹#›</a:t>
             </a:fld>
             <a:endParaRPr lang="en-US"/>
           </a:p>
@@ -6070,7 +6070,7 @@
           <a:p>
             <a:fld id="{DCE4B7D0-647F-4EDB-8C10-4341B6997904}" type="datetime1">
               <a:rPr lang="en-US" smtClean="0"/>
-              <a:t>1/3/2020</a:t>
+              <a:t>1/11/20</a:t>
             </a:fld>
             <a:endParaRPr lang="en-US"/>
           </a:p>
@@ -6112,7 +6112,7 @@
           <a:p>
             <a:fld id="{49A97F10-F60F-4929-8489-9A0D1A650A91}" type="slidenum">
               <a:rPr lang="en-US" smtClean="0"/>
-              <a:t>‹N›</a:t>
+              <a:t>‹#›</a:t>
             </a:fld>
             <a:endParaRPr lang="en-US"/>
           </a:p>
@@ -6347,7 +6347,7 @@
           <a:p>
             <a:fld id="{A570BE8C-D782-4075-A867-666D7CD7CF69}" type="datetime1">
               <a:rPr lang="en-US" smtClean="0"/>
-              <a:t>1/3/2020</a:t>
+              <a:t>1/11/20</a:t>
             </a:fld>
             <a:endParaRPr lang="en-US"/>
           </a:p>
@@ -6389,7 +6389,7 @@
           <a:p>
             <a:fld id="{49A97F10-F60F-4929-8489-9A0D1A650A91}" type="slidenum">
               <a:rPr lang="en-US" smtClean="0"/>
-              <a:t>‹N›</a:t>
+              <a:t>‹#›</a:t>
             </a:fld>
             <a:endParaRPr lang="en-US"/>
           </a:p>
@@ -6604,7 +6604,7 @@
           <a:p>
             <a:fld id="{298FC0BC-6616-406A-969A-19B75CE6997B}" type="datetime1">
               <a:rPr lang="en-US" smtClean="0"/>
-              <a:t>1/3/2020</a:t>
+              <a:t>1/11/20</a:t>
             </a:fld>
             <a:endParaRPr lang="en-US"/>
           </a:p>
@@ -6646,7 +6646,7 @@
           <a:p>
             <a:fld id="{49A97F10-F60F-4929-8489-9A0D1A650A91}" type="slidenum">
               <a:rPr lang="en-US" smtClean="0"/>
-              <a:t>‹N›</a:t>
+              <a:t>‹#›</a:t>
             </a:fld>
             <a:endParaRPr lang="en-US"/>
           </a:p>
@@ -6817,7 +6817,7 @@
           <a:p>
             <a:fld id="{73712DAD-EA8B-4EAD-BC70-435881FE7AB8}" type="datetime1">
               <a:rPr lang="en-US" smtClean="0"/>
-              <a:t>1/3/2020</a:t>
+              <a:t>1/11/20</a:t>
             </a:fld>
             <a:endParaRPr lang="en-US"/>
           </a:p>
@@ -6895,7 +6895,7 @@
           <a:p>
             <a:fld id="{49A97F10-F60F-4929-8489-9A0D1A650A91}" type="slidenum">
               <a:rPr lang="en-US" smtClean="0"/>
-              <a:t>‹N›</a:t>
+              <a:t>‹#›</a:t>
             </a:fld>
             <a:endParaRPr lang="en-US"/>
           </a:p>
@@ -7676,7 +7676,7 @@
           <a:p>
             <a:fld id="{73712DAD-EA8B-4EAD-BC70-435881FE7AB8}" type="datetime1">
               <a:rPr lang="en-US" smtClean="0"/>
-              <a:t>1/3/2020</a:t>
+              <a:t>1/11/20</a:t>
             </a:fld>
             <a:endParaRPr lang="en-US"/>
           </a:p>
@@ -7754,7 +7754,7 @@
           <a:p>
             <a:fld id="{49A97F10-F60F-4929-8489-9A0D1A650A91}" type="slidenum">
               <a:rPr lang="en-US" smtClean="0"/>
-              <a:t>‹N›</a:t>
+              <a:t>‹#›</a:t>
             </a:fld>
             <a:endParaRPr lang="en-US"/>
           </a:p>
@@ -8555,13 +8555,6 @@
       <p:transition/>
     </mc:Fallback>
   </mc:AlternateContent>
-  <p:timing>
-    <p:tnLst>
-      <p:par>
-        <p:cTn id="1" dur="indefinite" restart="never" nodeType="tmRoot"/>
-      </p:par>
-    </p:tnLst>
-  </p:timing>
 </p:sld>
 </file>
 
@@ -8955,13 +8948,6 @@
       </p:transition>
     </mc:Fallback>
   </mc:AlternateContent>
-  <p:timing>
-    <p:tnLst>
-      <p:par>
-        <p:cTn id="1" dur="indefinite" restart="never" nodeType="tmRoot"/>
-      </p:par>
-    </p:tnLst>
-  </p:timing>
 </p:sld>
 </file>
 
@@ -9295,7 +9281,7 @@
               <a:defRPr/>
             </a:pPr>
             <a:r>
-              <a:rPr lang="it-IT" noProof="1" smtClean="0">
+              <a:rPr lang="it-IT" noProof="1">
                 <a:solidFill>
                   <a:sysClr val="windowText" lastClr="000000">
                     <a:lumMod val="75000"/>
@@ -9304,19 +9290,7 @@
                 </a:solidFill>
                 <a:latin typeface="Trebuchet MS" panose="020B0603020202020204"/>
               </a:rPr>
-              <a:t>It’s time </a:t>
-            </a:r>
-            <a:r>
-              <a:rPr lang="it-IT" noProof="1">
-                <a:solidFill>
-                  <a:sysClr val="windowText" lastClr="000000">
-                    <a:lumMod val="75000"/>
-                    <a:lumOff val="25000"/>
-                  </a:sysClr>
-                </a:solidFill>
-                <a:latin typeface="Trebuchet MS" panose="020B0603020202020204"/>
-              </a:rPr>
-              <a:t>to play!</a:t>
+              <a:t>It’s time to play!</a:t>
             </a:r>
           </a:p>
           <a:p>
@@ -9649,74 +9623,7 @@
                 <a:latin typeface="Trebuchet MS" panose="020B0603020202020204"/>
                 <a:hlinkClick r:id="rId4"/>
               </a:rPr>
-              <a:t>https://</a:t>
-            </a:r>
-            <a:r>
-              <a:rPr lang="it-IT" sz="1600" noProof="1" smtClean="0">
-                <a:solidFill>
-                  <a:sysClr val="windowText" lastClr="000000">
-                    <a:lumMod val="75000"/>
-                    <a:lumOff val="25000"/>
-                  </a:sysClr>
-                </a:solidFill>
-                <a:latin typeface="Trebuchet MS" panose="020B0603020202020204"/>
-                <a:hlinkClick r:id="rId4"/>
-              </a:rPr>
-              <a:t>play.google.com/store/apps/details?id=it.fmt.games.reversi.android</a:t>
-            </a:r>
-            <a:endParaRPr lang="it-IT" sz="1600" noProof="1" smtClean="0">
-              <a:solidFill>
-                <a:sysClr val="windowText" lastClr="000000">
-                  <a:lumMod val="75000"/>
-                  <a:lumOff val="25000"/>
-                </a:sysClr>
-              </a:solidFill>
-              <a:latin typeface="Trebuchet MS" panose="020B0603020202020204"/>
-            </a:endParaRPr>
-          </a:p>
-          <a:p>
-            <a:pPr marL="0" indent="0">
-              <a:buClr>
-                <a:srgbClr val="90C226"/>
-              </a:buClr>
-              <a:buNone/>
-              <a:defRPr/>
-            </a:pPr>
-            <a:r>
-              <a:rPr lang="it-IT" sz="1600" noProof="1" smtClean="0">
-                <a:solidFill>
-                  <a:sysClr val="windowText" lastClr="000000">
-                    <a:lumMod val="75000"/>
-                    <a:lumOff val="25000"/>
-                  </a:sysClr>
-                </a:solidFill>
-                <a:latin typeface="Trebuchet MS" panose="020B0603020202020204"/>
-              </a:rPr>
-              <a:t>Desktop and Console </a:t>
-            </a:r>
-            <a:r>
-              <a:rPr lang="it-IT" sz="1600" noProof="1" smtClean="0">
-                <a:solidFill>
-                  <a:sysClr val="windowText" lastClr="000000">
-                    <a:lumMod val="75000"/>
-                    <a:lumOff val="25000"/>
-                  </a:sysClr>
-                </a:solidFill>
-                <a:latin typeface="Trebuchet MS" panose="020B0603020202020204"/>
-              </a:rPr>
-              <a:t>versions </a:t>
-            </a:r>
-            <a:r>
-              <a:rPr lang="it-IT" sz="1600" noProof="1" smtClean="0">
-                <a:solidFill>
-                  <a:sysClr val="windowText" lastClr="000000">
-                    <a:lumMod val="75000"/>
-                    <a:lumOff val="25000"/>
-                  </a:sysClr>
-                </a:solidFill>
-                <a:latin typeface="Trebuchet MS" panose="020B0603020202020204"/>
-              </a:rPr>
-              <a:t>are ready to be run!</a:t>
+              <a:t>https://play.google.com/store/apps/details?id=it.fmt.games.reversi.android</a:t>
             </a:r>
             <a:endParaRPr lang="it-IT" sz="1600" noProof="1">
               <a:solidFill>
@@ -9727,6 +9634,27 @@
               </a:solidFill>
               <a:latin typeface="Trebuchet MS" panose="020B0603020202020204"/>
             </a:endParaRPr>
+          </a:p>
+          <a:p>
+            <a:pPr marL="0" indent="0">
+              <a:buClr>
+                <a:srgbClr val="90C226"/>
+              </a:buClr>
+              <a:buNone/>
+              <a:defRPr/>
+            </a:pPr>
+            <a:r>
+              <a:rPr lang="it-IT" sz="1600" noProof="1">
+                <a:solidFill>
+                  <a:sysClr val="windowText" lastClr="000000">
+                    <a:lumMod val="75000"/>
+                    <a:lumOff val="25000"/>
+                  </a:sysClr>
+                </a:solidFill>
+                <a:latin typeface="Trebuchet MS" panose="020B0603020202020204"/>
+              </a:rPr>
+              <a:t>Desktop and Console versions are ready to be run!</a:t>
+            </a:r>
           </a:p>
           <a:p>
             <a:pPr marL="0" indent="0">
@@ -9908,13 +9836,6 @@
       </p:transition>
     </mc:Fallback>
   </mc:AlternateContent>
-  <p:timing>
-    <p:tnLst>
-      <p:par>
-        <p:cTn id="1" dur="indefinite" restart="never" nodeType="tmRoot"/>
-      </p:par>
-    </p:tnLst>
-  </p:timing>
 </p:sld>
 </file>
 
@@ -9970,7 +9891,7 @@
           <a:lstStyle/>
           <a:p>
             <a:r>
-              <a:rPr lang="en-GB" dirty="0" smtClean="0">
+              <a:rPr lang="en-GB" dirty="0">
                 <a:solidFill>
                   <a:srgbClr val="75C539"/>
                 </a:solidFill>
@@ -10448,13 +10369,6 @@
       </p:transition>
     </mc:Fallback>
   </mc:AlternateContent>
-  <p:timing>
-    <p:tnLst>
-      <p:par>
-        <p:cTn id="1" dur="indefinite" restart="never" nodeType="tmRoot"/>
-      </p:par>
-    </p:tnLst>
-  </p:timing>
 </p:sld>
 </file>
 
@@ -10510,7 +10424,7 @@
           <a:lstStyle/>
           <a:p>
             <a:r>
-              <a:rPr lang="en-GB" dirty="0" smtClean="0">
+              <a:rPr lang="en-GB" dirty="0">
                 <a:solidFill>
                   <a:srgbClr val="75C539"/>
                 </a:solidFill>
@@ -10827,7 +10741,7 @@
               <a:defRPr/>
             </a:pPr>
             <a:r>
-              <a:rPr lang="it-IT" noProof="1" smtClean="0">
+              <a:rPr lang="it-IT" noProof="1">
                 <a:solidFill>
                   <a:sysClr val="windowText" lastClr="000000">
                     <a:lumMod val="75000"/>
@@ -10836,31 +10750,7 @@
                 </a:solidFill>
                 <a:latin typeface="Trebuchet MS" panose="020B0603020202020204"/>
               </a:rPr>
-              <a:t>Improved </a:t>
-            </a:r>
-            <a:r>
-              <a:rPr lang="it-IT" noProof="1">
-                <a:solidFill>
-                  <a:sysClr val="windowText" lastClr="000000">
-                    <a:lumMod val="75000"/>
-                    <a:lumOff val="25000"/>
-                  </a:sysClr>
-                </a:solidFill>
-                <a:latin typeface="Trebuchet MS" panose="020B0603020202020204"/>
-              </a:rPr>
-              <a:t>IA for CPU </a:t>
-            </a:r>
-            <a:r>
-              <a:rPr lang="it-IT" noProof="1" smtClean="0">
-                <a:solidFill>
-                  <a:sysClr val="windowText" lastClr="000000">
-                    <a:lumMod val="75000"/>
-                    <a:lumOff val="25000"/>
-                  </a:sysClr>
-                </a:solidFill>
-                <a:latin typeface="Trebuchet MS" panose="020B0603020202020204"/>
-              </a:rPr>
-              <a:t>players</a:t>
+              <a:t>Improved IA for CPU players</a:t>
             </a:r>
           </a:p>
           <a:p>
@@ -10871,7 +10761,7 @@
               <a:defRPr/>
             </a:pPr>
             <a:r>
-              <a:rPr lang="it-IT" noProof="1" smtClean="0">
+              <a:rPr lang="it-IT" noProof="1">
                 <a:solidFill>
                   <a:sysClr val="windowText" lastClr="000000">
                     <a:lumMod val="75000"/>
@@ -10979,13 +10869,6 @@
       </p:transition>
     </mc:Fallback>
   </mc:AlternateContent>
-  <p:timing>
-    <p:tnLst>
-      <p:par>
-        <p:cTn id="1" dur="indefinite" restart="never" nodeType="tmRoot"/>
-      </p:par>
-    </p:tnLst>
-  </p:timing>
 </p:sld>
 </file>
 
@@ -11084,13 +10967,6 @@
       </p:transition>
     </mc:Fallback>
   </mc:AlternateContent>
-  <p:timing>
-    <p:tnLst>
-      <p:par>
-        <p:cTn id="1" dur="indefinite" restart="never" nodeType="tmRoot"/>
-      </p:par>
-    </p:tnLst>
-  </p:timing>
 </p:sld>
 </file>
 
@@ -11481,7 +11357,7 @@
               <a:defRPr/>
             </a:pPr>
             <a:r>
-              <a:rPr lang="it-IT" noProof="1" smtClean="0">
+              <a:rPr lang="it-IT" noProof="1">
                 <a:solidFill>
                   <a:sysClr val="windowText" lastClr="000000">
                     <a:lumMod val="75000"/>
@@ -11492,15 +11368,6 @@
               </a:rPr>
               <a:t>Let’s dive into the code</a:t>
             </a:r>
-            <a:endParaRPr lang="it-IT" noProof="1">
-              <a:solidFill>
-                <a:sysClr val="windowText" lastClr="000000">
-                  <a:lumMod val="75000"/>
-                  <a:lumOff val="25000"/>
-                </a:sysClr>
-              </a:solidFill>
-              <a:latin typeface="Trebuchet MS" panose="020B0603020202020204"/>
-            </a:endParaRPr>
           </a:p>
           <a:p>
             <a:pPr>
@@ -11510,7 +11377,7 @@
               <a:defRPr/>
             </a:pPr>
             <a:r>
-              <a:rPr lang="it-IT" noProof="1" smtClean="0">
+              <a:rPr lang="it-IT" noProof="1">
                 <a:solidFill>
                   <a:sysClr val="windowText" lastClr="000000">
                     <a:lumMod val="75000"/>
@@ -11521,15 +11388,6 @@
               </a:rPr>
               <a:t>Conclusions</a:t>
             </a:r>
-            <a:endParaRPr lang="it-IT" noProof="1">
-              <a:solidFill>
-                <a:sysClr val="windowText" lastClr="000000">
-                  <a:lumMod val="75000"/>
-                  <a:lumOff val="25000"/>
-                </a:sysClr>
-              </a:solidFill>
-              <a:latin typeface="Trebuchet MS" panose="020B0603020202020204"/>
-            </a:endParaRPr>
           </a:p>
         </p:txBody>
       </p:sp>
@@ -11543,153 +11401,6 @@
   <p:clrMapOvr>
     <a:masterClrMapping/>
   </p:clrMapOvr>
-  <mc:AlternateContent xmlns:mc="http://schemas.openxmlformats.org/markup-compatibility/2006" xmlns:p14="http://schemas.microsoft.com/office/powerpoint/2010/main">
-    <mc:Choice Requires="p14">
-      <p:transition spd="med" p14:dur="700">
-        <p:fade/>
-      </p:transition>
-    </mc:Choice>
-    <mc:Fallback xmlns="">
-      <p:transition spd="med">
-        <p:fade/>
-      </p:transition>
-    </mc:Fallback>
-  </mc:AlternateContent>
-  <p:timing>
-    <p:tnLst>
-      <p:par>
-        <p:cTn id="1" dur="indefinite" restart="never" nodeType="tmRoot">
-          <p:childTnLst>
-            <p:seq concurrent="1" nextAc="seek">
-              <p:cTn id="2" dur="indefinite" nodeType="mainSeq">
-                <p:childTnLst>
-                  <p:par>
-                    <p:cTn id="3" fill="hold">
-                      <p:stCondLst>
-                        <p:cond delay="indefinite"/>
-                        <p:cond evt="onBegin" delay="0">
-                          <p:tn val="2"/>
-                        </p:cond>
-                      </p:stCondLst>
-                      <p:childTnLst>
-                        <p:par>
-                          <p:cTn id="4" fill="hold">
-                            <p:stCondLst>
-                              <p:cond delay="0"/>
-                            </p:stCondLst>
-                            <p:childTnLst>
-                              <p:par>
-                                <p:cTn id="5" presetID="42" presetClass="entr" presetSubtype="0" fill="hold" grpId="0" nodeType="withEffect">
-                                  <p:stCondLst>
-                                    <p:cond delay="1000"/>
-                                  </p:stCondLst>
-                                  <p:childTnLst>
-                                    <p:set>
-                                      <p:cBhvr>
-                                        <p:cTn id="6" dur="1" fill="hold">
-                                          <p:stCondLst>
-                                            <p:cond delay="0"/>
-                                          </p:stCondLst>
-                                        </p:cTn>
-                                        <p:tgtEl>
-                                          <p:spTgt spid="5"/>
-                                        </p:tgtEl>
-                                        <p:attrNameLst>
-                                          <p:attrName>style.visibility</p:attrName>
-                                        </p:attrNameLst>
-                                      </p:cBhvr>
-                                      <p:to>
-                                        <p:strVal val="visible"/>
-                                      </p:to>
-                                    </p:set>
-                                    <p:animEffect transition="in" filter="fade">
-                                      <p:cBhvr>
-                                        <p:cTn id="7" dur="1000"/>
-                                        <p:tgtEl>
-                                          <p:spTgt spid="5"/>
-                                        </p:tgtEl>
-                                      </p:cBhvr>
-                                    </p:animEffect>
-                                    <p:anim calcmode="lin" valueType="num">
-                                      <p:cBhvr>
-                                        <p:cTn id="8" dur="1000" fill="hold"/>
-                                        <p:tgtEl>
-                                          <p:spTgt spid="5"/>
-                                        </p:tgtEl>
-                                        <p:attrNameLst>
-                                          <p:attrName>ppt_x</p:attrName>
-                                        </p:attrNameLst>
-                                      </p:cBhvr>
-                                      <p:tavLst>
-                                        <p:tav tm="0">
-                                          <p:val>
-                                            <p:strVal val="#ppt_x"/>
-                                          </p:val>
-                                        </p:tav>
-                                        <p:tav tm="100000">
-                                          <p:val>
-                                            <p:strVal val="#ppt_x"/>
-                                          </p:val>
-                                        </p:tav>
-                                      </p:tavLst>
-                                    </p:anim>
-                                    <p:anim calcmode="lin" valueType="num">
-                                      <p:cBhvr>
-                                        <p:cTn id="9" dur="1000" fill="hold"/>
-                                        <p:tgtEl>
-                                          <p:spTgt spid="5"/>
-                                        </p:tgtEl>
-                                        <p:attrNameLst>
-                                          <p:attrName>ppt_y</p:attrName>
-                                        </p:attrNameLst>
-                                      </p:cBhvr>
-                                      <p:tavLst>
-                                        <p:tav tm="0">
-                                          <p:val>
-                                            <p:strVal val="#ppt_y+.1"/>
-                                          </p:val>
-                                        </p:tav>
-                                        <p:tav tm="100000">
-                                          <p:val>
-                                            <p:strVal val="#ppt_y"/>
-                                          </p:val>
-                                        </p:tav>
-                                      </p:tavLst>
-                                    </p:anim>
-                                  </p:childTnLst>
-                                </p:cTn>
-                              </p:par>
-                            </p:childTnLst>
-                          </p:cTn>
-                        </p:par>
-                      </p:childTnLst>
-                    </p:cTn>
-                  </p:par>
-                </p:childTnLst>
-              </p:cTn>
-              <p:prevCondLst>
-                <p:cond evt="onPrev" delay="0">
-                  <p:tgtEl>
-                    <p:sldTgt/>
-                  </p:tgtEl>
-                </p:cond>
-              </p:prevCondLst>
-              <p:nextCondLst>
-                <p:cond evt="onNext" delay="0">
-                  <p:tgtEl>
-                    <p:sldTgt/>
-                  </p:tgtEl>
-                </p:cond>
-              </p:nextCondLst>
-            </p:seq>
-          </p:childTnLst>
-        </p:cTn>
-      </p:par>
-    </p:tnLst>
-    <p:bldLst>
-      <p:bldP spid="5" grpId="0"/>
-    </p:bldLst>
-  </p:timing>
 </p:sld>
 </file>
 
@@ -12122,31 +11833,7 @@
                 </a:solidFill>
                 <a:latin typeface="Trebuchet MS" panose="020B0603020202020204"/>
               </a:rPr>
-              <a:t>The project has </a:t>
-            </a:r>
-            <a:r>
-              <a:rPr lang="it-IT" noProof="1" smtClean="0">
-                <a:solidFill>
-                  <a:sysClr val="windowText" lastClr="000000">
-                    <a:lumMod val="75000"/>
-                    <a:lumOff val="25000"/>
-                  </a:sysClr>
-                </a:solidFill>
-                <a:latin typeface="Trebuchet MS" panose="020B0603020202020204"/>
-              </a:rPr>
-              <a:t>3 target </a:t>
-            </a:r>
-            <a:r>
-              <a:rPr lang="it-IT" noProof="1">
-                <a:solidFill>
-                  <a:sysClr val="windowText" lastClr="000000">
-                    <a:lumMod val="75000"/>
-                    <a:lumOff val="25000"/>
-                  </a:sysClr>
-                </a:solidFill>
-                <a:latin typeface="Trebuchet MS" panose="020B0603020202020204"/>
-              </a:rPr>
-              <a:t>platforms:</a:t>
+              <a:t>The project has 3 target platforms:</a:t>
             </a:r>
           </a:p>
           <a:p>
@@ -12258,13 +11945,6 @@
       </p:transition>
     </mc:Fallback>
   </mc:AlternateContent>
-  <p:timing>
-    <p:tnLst>
-      <p:par>
-        <p:cTn id="1" dur="indefinite" restart="never" nodeType="tmRoot"/>
-      </p:par>
-    </p:tnLst>
-  </p:timing>
 </p:sld>
 </file>
 
@@ -12320,22 +12000,13 @@
           <a:lstStyle/>
           <a:p>
             <a:r>
-              <a:rPr lang="it-IT" sz="3600" noProof="1" smtClean="0">
+              <a:rPr lang="it-IT" sz="3600" noProof="1">
                 <a:solidFill>
                   <a:srgbClr val="90C226"/>
                 </a:solidFill>
                 <a:latin typeface="Trebuchet MS" panose="020B0603020202020204"/>
               </a:rPr>
-              <a:t>The project - what </a:t>
-            </a:r>
-            <a:r>
-              <a:rPr lang="it-IT" sz="3600" noProof="1">
-                <a:solidFill>
-                  <a:srgbClr val="90C226"/>
-                </a:solidFill>
-                <a:latin typeface="Trebuchet MS" panose="020B0603020202020204"/>
-              </a:rPr>
-              <a:t>did we use?</a:t>
+              <a:t>The project - what did we use?</a:t>
             </a:r>
             <a:endParaRPr lang="en-US" dirty="0">
               <a:solidFill>
@@ -12651,13 +12322,6 @@
       </p:transition>
     </mc:Fallback>
   </mc:AlternateContent>
-  <p:timing>
-    <p:tnLst>
-      <p:par>
-        <p:cTn id="1" dur="indefinite" restart="never" nodeType="tmRoot"/>
-      </p:par>
-    </p:tnLst>
-  </p:timing>
 </p:sld>
 </file>
 
@@ -12997,7 +12661,7 @@
                 </a:solidFill>
                 <a:latin typeface="Trebuchet MS" panose="020B0603020202020204"/>
               </a:rPr>
-              <a:t>Project are managed with Maven</a:t>
+              <a:t>Project is managed with Maven</a:t>
             </a:r>
           </a:p>
           <a:p>
@@ -13264,13 +12928,6 @@
       </p:transition>
     </mc:Fallback>
   </mc:AlternateContent>
-  <p:timing>
-    <p:tnLst>
-      <p:par>
-        <p:cTn id="1" dur="indefinite" restart="never" nodeType="tmRoot"/>
-      </p:par>
-    </p:tnLst>
-  </p:timing>
 </p:sld>
 </file>
 
@@ -13332,25 +12989,7 @@
                 </a:solidFill>
                 <a:latin typeface="Trebuchet MS" panose="020B0603020202020204"/>
               </a:rPr>
-              <a:t>The project - </a:t>
-            </a:r>
-            <a:r>
-              <a:rPr lang="it-IT" sz="3600" noProof="1" smtClean="0">
-                <a:solidFill>
-                  <a:srgbClr val="90C226"/>
-                </a:solidFill>
-                <a:latin typeface="Trebuchet MS" panose="020B0603020202020204"/>
-              </a:rPr>
-              <a:t>what </a:t>
-            </a:r>
-            <a:r>
-              <a:rPr lang="it-IT" sz="3600" noProof="1">
-                <a:solidFill>
-                  <a:srgbClr val="90C226"/>
-                </a:solidFill>
-                <a:latin typeface="Trebuchet MS" panose="020B0603020202020204"/>
-              </a:rPr>
-              <a:t>did we do?</a:t>
+              <a:t>The project - what did we do?</a:t>
             </a:r>
             <a:endParaRPr lang="en-US" dirty="0">
               <a:solidFill>
@@ -13648,7 +13287,7 @@
                 </a:solidFill>
                 <a:latin typeface="Trebuchet MS" panose="020B0603020202020204"/>
               </a:rPr>
-              <a:t>Using agile methodology to develop the software</a:t>
+              <a:t>We use agile methodology to develop the software</a:t>
             </a:r>
           </a:p>
           <a:p>
@@ -13659,7 +13298,7 @@
               <a:defRPr/>
             </a:pPr>
             <a:r>
-              <a:rPr lang="it-IT" noProof="1" smtClean="0">
+              <a:rPr lang="it-IT" noProof="1">
                 <a:solidFill>
                   <a:sysClr val="windowText" lastClr="000000">
                     <a:lumMod val="75000"/>
@@ -13668,8 +13307,16 @@
                 </a:solidFill>
                 <a:latin typeface="Trebuchet MS" panose="020B0603020202020204"/>
               </a:rPr>
-              <a:t>4 x 1 </a:t>
-            </a:r>
+              <a:t>4 x 1 week sprint</a:t>
+            </a:r>
+          </a:p>
+          <a:p>
+            <a:pPr lvl="1">
+              <a:buClr>
+                <a:srgbClr val="90C226"/>
+              </a:buClr>
+              <a:defRPr/>
+            </a:pPr>
             <a:r>
               <a:rPr lang="it-IT" noProof="1">
                 <a:solidFill>
@@ -13680,7 +13327,7 @@
                 </a:solidFill>
                 <a:latin typeface="Trebuchet MS" panose="020B0603020202020204"/>
               </a:rPr>
-              <a:t>week sprint</a:t>
+              <a:t>One big briefing at week beginnig</a:t>
             </a:r>
           </a:p>
           <a:p>
@@ -13700,7 +13347,7 @@
                 </a:solidFill>
                 <a:latin typeface="Trebuchet MS" panose="020B0603020202020204"/>
               </a:rPr>
-              <a:t>One big briefing at week beginnig</a:t>
+              <a:t>Daily check</a:t>
             </a:r>
           </a:p>
           <a:p>
@@ -13720,11 +13367,11 @@
                 </a:solidFill>
                 <a:latin typeface="Trebuchet MS" panose="020B0603020202020204"/>
               </a:rPr>
-              <a:t>Daily check</a:t>
-            </a:r>
-          </a:p>
-          <a:p>
-            <a:pPr lvl="1">
+              <a:t>We (try to create) for each activity an issue</a:t>
+            </a:r>
+          </a:p>
+          <a:p>
+            <a:pPr>
               <a:buClr>
                 <a:srgbClr val="90C226"/>
               </a:buClr>
@@ -13740,7 +13387,7 @@
                 </a:solidFill>
                 <a:latin typeface="Trebuchet MS" panose="020B0603020202020204"/>
               </a:rPr>
-              <a:t>We (try to create) for each activity an issue</a:t>
+              <a:t>First phase had a bottom up approach (starting from documentation) to define entities</a:t>
             </a:r>
           </a:p>
           <a:p>
@@ -13760,51 +13407,7 @@
                 </a:solidFill>
                 <a:latin typeface="Trebuchet MS" panose="020B0603020202020204"/>
               </a:rPr>
-              <a:t>First phase had a bottom up approach (starting from documentation) to define entities</a:t>
-            </a:r>
-          </a:p>
-          <a:p>
-            <a:pPr>
-              <a:buClr>
-                <a:srgbClr val="90C226"/>
-              </a:buClr>
-              <a:defRPr/>
-            </a:pPr>
-            <a:r>
-              <a:rPr lang="it-IT" noProof="1">
-                <a:solidFill>
-                  <a:sysClr val="windowText" lastClr="000000">
-                    <a:lumMod val="75000"/>
-                    <a:lumOff val="25000"/>
-                  </a:sysClr>
-                </a:solidFill>
-                <a:latin typeface="Trebuchet MS" panose="020B0603020202020204"/>
-              </a:rPr>
-              <a:t>Following </a:t>
-            </a:r>
-            <a:r>
-              <a:rPr lang="it-IT" noProof="1" smtClean="0">
-                <a:solidFill>
-                  <a:sysClr val="windowText" lastClr="000000">
-                    <a:lumMod val="75000"/>
-                    <a:lumOff val="25000"/>
-                  </a:sysClr>
-                </a:solidFill>
-                <a:latin typeface="Trebuchet MS" panose="020B0603020202020204"/>
-              </a:rPr>
-              <a:t>phases </a:t>
-            </a:r>
-            <a:r>
-              <a:rPr lang="it-IT" noProof="1">
-                <a:solidFill>
-                  <a:sysClr val="windowText" lastClr="000000">
-                    <a:lumMod val="75000"/>
-                    <a:lumOff val="25000"/>
-                  </a:sysClr>
-                </a:solidFill>
-                <a:latin typeface="Trebuchet MS" panose="020B0603020202020204"/>
-              </a:rPr>
-              <a:t>use a top down approach</a:t>
+              <a:t>Following phases use a top down approach</a:t>
             </a:r>
           </a:p>
           <a:p>
@@ -13865,13 +13468,6 @@
       </p:transition>
     </mc:Fallback>
   </mc:AlternateContent>
-  <p:timing>
-    <p:tnLst>
-      <p:par>
-        <p:cTn id="1" dur="indefinite" restart="never" nodeType="tmRoot"/>
-      </p:par>
-    </p:tnLst>
-  </p:timing>
 </p:sld>
 </file>
 
@@ -13933,16 +13529,7 @@
                 </a:solidFill>
                 <a:latin typeface="Trebuchet MS" panose="020B0603020202020204"/>
               </a:rPr>
-              <a:t>The project - </a:t>
-            </a:r>
-            <a:r>
-              <a:rPr lang="it-IT" sz="3600" noProof="1" smtClean="0">
-                <a:solidFill>
-                  <a:srgbClr val="90C226"/>
-                </a:solidFill>
-                <a:latin typeface="Trebuchet MS" panose="020B0603020202020204"/>
-              </a:rPr>
-              <a:t>modules</a:t>
+              <a:t>The project - modules</a:t>
             </a:r>
             <a:endParaRPr lang="en-US" dirty="0">
               <a:solidFill>
@@ -14265,13 +13852,6 @@
       </p:transition>
     </mc:Fallback>
   </mc:AlternateContent>
-  <p:timing>
-    <p:tnLst>
-      <p:par>
-        <p:cTn id="1" dur="indefinite" restart="never" nodeType="tmRoot"/>
-      </p:par>
-    </p:tnLst>
-  </p:timing>
 </p:sld>
 </file>
 
@@ -14665,13 +14245,6 @@
       </p:transition>
     </mc:Fallback>
   </mc:AlternateContent>
-  <p:timing>
-    <p:tnLst>
-      <p:par>
-        <p:cTn id="1" dur="indefinite" restart="never" nodeType="tmRoot"/>
-      </p:par>
-    </p:tnLst>
-  </p:timing>
 </p:sld>
 </file>
 
@@ -15065,13 +14638,6 @@
       </p:transition>
     </mc:Fallback>
   </mc:AlternateContent>
-  <p:timing>
-    <p:tnLst>
-      <p:par>
-        <p:cTn id="1" dur="indefinite" restart="never" nodeType="tmRoot"/>
-      </p:par>
-    </p:tnLst>
-  </p:timing>
 </p:sld>
 </file>
 
